--- a/images/dataset2.pptx
+++ b/images/dataset2.pptx
@@ -288,7 +288,7 @@
           <a:p>
             <a:fld id="{F424F993-1F93-4B35-BCDD-7531B1E1633A}" type="datetimeFigureOut">
               <a:rPr lang="en-US" smtClean="0"/>
-              <a:t>9/25/2014</a:t>
+              <a:t>6/5/2015</a:t>
             </a:fld>
             <a:endParaRPr lang="en-US"/>
           </a:p>
@@ -458,7 +458,7 @@
           <a:p>
             <a:fld id="{F424F993-1F93-4B35-BCDD-7531B1E1633A}" type="datetimeFigureOut">
               <a:rPr lang="en-US" smtClean="0"/>
-              <a:t>9/25/2014</a:t>
+              <a:t>6/5/2015</a:t>
             </a:fld>
             <a:endParaRPr lang="en-US"/>
           </a:p>
@@ -638,7 +638,7 @@
           <a:p>
             <a:fld id="{F424F993-1F93-4B35-BCDD-7531B1E1633A}" type="datetimeFigureOut">
               <a:rPr lang="en-US" smtClean="0"/>
-              <a:t>9/25/2014</a:t>
+              <a:t>6/5/2015</a:t>
             </a:fld>
             <a:endParaRPr lang="en-US"/>
           </a:p>
@@ -808,7 +808,7 @@
           <a:p>
             <a:fld id="{F424F993-1F93-4B35-BCDD-7531B1E1633A}" type="datetimeFigureOut">
               <a:rPr lang="en-US" smtClean="0"/>
-              <a:t>9/25/2014</a:t>
+              <a:t>6/5/2015</a:t>
             </a:fld>
             <a:endParaRPr lang="en-US"/>
           </a:p>
@@ -1054,7 +1054,7 @@
           <a:p>
             <a:fld id="{F424F993-1F93-4B35-BCDD-7531B1E1633A}" type="datetimeFigureOut">
               <a:rPr lang="en-US" smtClean="0"/>
-              <a:t>9/25/2014</a:t>
+              <a:t>6/5/2015</a:t>
             </a:fld>
             <a:endParaRPr lang="en-US"/>
           </a:p>
@@ -1342,7 +1342,7 @@
           <a:p>
             <a:fld id="{F424F993-1F93-4B35-BCDD-7531B1E1633A}" type="datetimeFigureOut">
               <a:rPr lang="en-US" smtClean="0"/>
-              <a:t>9/25/2014</a:t>
+              <a:t>6/5/2015</a:t>
             </a:fld>
             <a:endParaRPr lang="en-US"/>
           </a:p>
@@ -1769,7 +1769,7 @@
           <a:p>
             <a:fld id="{F424F993-1F93-4B35-BCDD-7531B1E1633A}" type="datetimeFigureOut">
               <a:rPr lang="en-US" smtClean="0"/>
-              <a:t>9/25/2014</a:t>
+              <a:t>6/5/2015</a:t>
             </a:fld>
             <a:endParaRPr lang="en-US"/>
           </a:p>
@@ -1887,7 +1887,7 @@
           <a:p>
             <a:fld id="{F424F993-1F93-4B35-BCDD-7531B1E1633A}" type="datetimeFigureOut">
               <a:rPr lang="en-US" smtClean="0"/>
-              <a:t>9/25/2014</a:t>
+              <a:t>6/5/2015</a:t>
             </a:fld>
             <a:endParaRPr lang="en-US"/>
           </a:p>
@@ -1982,7 +1982,7 @@
           <a:p>
             <a:fld id="{F424F993-1F93-4B35-BCDD-7531B1E1633A}" type="datetimeFigureOut">
               <a:rPr lang="en-US" smtClean="0"/>
-              <a:t>9/25/2014</a:t>
+              <a:t>6/5/2015</a:t>
             </a:fld>
             <a:endParaRPr lang="en-US"/>
           </a:p>
@@ -2259,7 +2259,7 @@
           <a:p>
             <a:fld id="{F424F993-1F93-4B35-BCDD-7531B1E1633A}" type="datetimeFigureOut">
               <a:rPr lang="en-US" smtClean="0"/>
-              <a:t>9/25/2014</a:t>
+              <a:t>6/5/2015</a:t>
             </a:fld>
             <a:endParaRPr lang="en-US"/>
           </a:p>
@@ -2512,7 +2512,7 @@
           <a:p>
             <a:fld id="{F424F993-1F93-4B35-BCDD-7531B1E1633A}" type="datetimeFigureOut">
               <a:rPr lang="en-US" smtClean="0"/>
-              <a:t>9/25/2014</a:t>
+              <a:t>6/5/2015</a:t>
             </a:fld>
             <a:endParaRPr lang="en-US"/>
           </a:p>
@@ -2725,7 +2725,7 @@
           <a:p>
             <a:fld id="{F424F993-1F93-4B35-BCDD-7531B1E1633A}" type="datetimeFigureOut">
               <a:rPr lang="en-US" smtClean="0"/>
-              <a:t>9/25/2014</a:t>
+              <a:t>6/5/2015</a:t>
             </a:fld>
             <a:endParaRPr lang="en-US"/>
           </a:p>
@@ -3293,7 +3293,9 @@
               </a:prstGeom>
               <a:ln w="127000">
                 <a:solidFill>
-                  <a:schemeClr val="tx1"/>
+                  <a:schemeClr val="accent6">
+                    <a:lumMod val="75000"/>
+                  </a:schemeClr>
                 </a:solidFill>
                 <a:prstDash val="dash"/>
               </a:ln>
@@ -3329,7 +3331,9 @@
               </a:prstGeom>
               <a:ln w="127000">
                 <a:solidFill>
-                  <a:schemeClr val="tx1"/>
+                  <a:schemeClr val="accent6">
+                    <a:lumMod val="75000"/>
+                  </a:schemeClr>
                 </a:solidFill>
                 <a:prstDash val="dash"/>
               </a:ln>
@@ -3365,7 +3369,9 @@
               </a:prstGeom>
               <a:ln w="127000">
                 <a:solidFill>
-                  <a:schemeClr val="tx1"/>
+                  <a:schemeClr val="accent6">
+                    <a:lumMod val="75000"/>
+                  </a:schemeClr>
                 </a:solidFill>
                 <a:prstDash val="dash"/>
               </a:ln>
@@ -3401,7 +3407,9 @@
               </a:prstGeom>
               <a:ln w="127000">
                 <a:solidFill>
-                  <a:schemeClr val="tx1"/>
+                  <a:schemeClr val="accent6">
+                    <a:lumMod val="75000"/>
+                  </a:schemeClr>
                 </a:solidFill>
                 <a:prstDash val="dash"/>
               </a:ln>
@@ -3577,13 +3585,18 @@
           <a:p>
             <a:pPr algn="ctr"/>
             <a:r>
-              <a:rPr lang="en-US" sz="4800" dirty="0" smtClean="0">
+              <a:rPr lang="en-US" sz="4800" smtClean="0">
                 <a:solidFill>
                   <a:srgbClr val="3F793D"/>
                 </a:solidFill>
               </a:rPr>
-              <a:t>Scalar data</a:t>
-            </a:r>
+              <a:t>Data set D2</a:t>
+            </a:r>
+            <a:endParaRPr lang="en-US" sz="4800" dirty="0" smtClean="0">
+              <a:solidFill>
+                <a:srgbClr val="3F793D"/>
+              </a:solidFill>
+            </a:endParaRPr>
           </a:p>
         </p:txBody>
       </p:sp>
@@ -3799,7 +3812,7 @@
         </p:nvGrpSpPr>
         <p:grpSpPr>
           <a:xfrm>
-            <a:off x="6400800" y="2315103"/>
+            <a:off x="7223711" y="1925609"/>
             <a:ext cx="4126949" cy="4601904"/>
             <a:chOff x="599741" y="2477163"/>
             <a:chExt cx="4415742" cy="4923934"/>
@@ -3834,8 +3847,11 @@
             </a:prstGeom>
             <a:ln w="127000">
               <a:solidFill>
-                <a:schemeClr val="tx1"/>
+                <a:schemeClr val="accent6">
+                  <a:lumMod val="75000"/>
+                </a:schemeClr>
               </a:solidFill>
+              <a:prstDash val="sysDash"/>
             </a:ln>
           </p:spPr>
         </p:pic>
@@ -4064,7 +4080,7 @@
               <a:solidFill>
                 <a:srgbClr val="238B45"/>
               </a:solidFill>
-              <a:prstDash val="sysDash"/>
+              <a:prstDash val="sysDot"/>
             </a:ln>
           </p:spPr>
           <p:style>
@@ -4333,7 +4349,7 @@
               <a:solidFill>
                 <a:srgbClr val="238B45"/>
               </a:solidFill>
-              <a:prstDash val="sysDash"/>
+              <a:prstDash val="sysDot"/>
             </a:ln>
           </p:spPr>
           <p:style>
